--- a/Docs/talk2.pptx
+++ b/Docs/talk2.pptx
@@ -5457,7 +5457,7 @@
         <p:spPr>
           <a:xfrm>
             <a:off x="755640" y="1013760"/>
-            <a:ext cx="7200360" cy="1919160"/>
+            <a:ext cx="7200360" cy="2711520"/>
           </a:xfrm>
           <a:prstGeom prst="rect">
             <a:avLst/>
@@ -5584,10 +5584,93 @@
               <a:latin typeface="Arial"/>
             </a:endParaRPr>
           </a:p>
+          <a:p>
+            <a:pPr marL="457200" indent="-456840">
+              <a:lnSpc>
+                <a:spcPct val="100000"/>
+              </a:lnSpc>
+              <a:buClr>
+                <a:srgbClr val="74808c"/>
+              </a:buClr>
+              <a:buFont typeface="Arial"/>
+              <a:buChar char="•"/>
+            </a:pPr>
+            <a:r>
+              <a:rPr b="0" lang="en-US" sz="2400" spc="-1" strike="noStrike" u="sng">
+                <a:solidFill>
+                  <a:srgbClr val="74808c"/>
+                </a:solidFill>
+                <a:uFill>
+                  <a:solidFill>
+                    <a:srgbClr val="ffffff"/>
+                  </a:solidFill>
+                </a:uFill>
+                <a:latin typeface="Poppins"/>
+                <a:ea typeface="Poppins"/>
+              </a:rPr>
+              <a:t> </a:t>
+            </a:r>
+            <a:endParaRPr b="0" lang="en-US" sz="1800" spc="-1" strike="noStrike">
+              <a:solidFill>
+                <a:srgbClr val="000000"/>
+              </a:solidFill>
+              <a:uFill>
+                <a:solidFill>
+                  <a:srgbClr val="ffffff"/>
+                </a:solidFill>
+              </a:uFill>
+              <a:latin typeface="Arial"/>
+            </a:endParaRPr>
+          </a:p>
+          <a:p>
+            <a:pPr>
+              <a:lnSpc>
+                <a:spcPct val="100000"/>
+              </a:lnSpc>
+            </a:pPr>
+            <a:endParaRPr b="0" lang="en-US" sz="1800" spc="-1" strike="noStrike">
+              <a:solidFill>
+                <a:srgbClr val="000000"/>
+              </a:solidFill>
+              <a:uFill>
+                <a:solidFill>
+                  <a:srgbClr val="ffffff"/>
+                </a:solidFill>
+              </a:uFill>
+              <a:latin typeface="Arial"/>
+            </a:endParaRPr>
+          </a:p>
         </p:txBody>
       </p:sp>
     </p:spTree>
   </p:cSld>
+  <p:timing>
+    <p:tnLst>
+      <p:par>
+        <p:cTn id="115" dur="indefinite" restart="never" nodeType="tmRoot">
+          <p:childTnLst>
+            <p:seq>
+              <p:cTn id="116" nodeType="mainSeq"/>
+              <p:prevCondLst>
+                <p:cond delay="0" evt="onPrev">
+                  <p:tgtEl>
+                    <p:sldTgt/>
+                  </p:tgtEl>
+                </p:cond>
+              </p:prevCondLst>
+              <p:nextCondLst>
+                <p:cond delay="0" evt="onNext">
+                  <p:tgtEl>
+                    <p:sldTgt/>
+                  </p:tgtEl>
+                </p:cond>
+              </p:nextCondLst>
+            </p:seq>
+          </p:childTnLst>
+        </p:cTn>
+      </p:par>
+    </p:tnLst>
+  </p:timing>
 </p:sld>
 </file>
 
@@ -5833,6 +5916,33 @@
       </p:sp>
     </p:spTree>
   </p:cSld>
+  <p:timing>
+    <p:tnLst>
+      <p:par>
+        <p:cTn id="117" dur="indefinite" restart="never" nodeType="tmRoot">
+          <p:childTnLst>
+            <p:seq>
+              <p:cTn id="118" nodeType="mainSeq"/>
+              <p:prevCondLst>
+                <p:cond delay="0" evt="onPrev">
+                  <p:tgtEl>
+                    <p:sldTgt/>
+                  </p:tgtEl>
+                </p:cond>
+              </p:prevCondLst>
+              <p:nextCondLst>
+                <p:cond delay="0" evt="onNext">
+                  <p:tgtEl>
+                    <p:sldTgt/>
+                  </p:tgtEl>
+                </p:cond>
+              </p:nextCondLst>
+            </p:seq>
+          </p:childTnLst>
+        </p:cTn>
+      </p:par>
+    </p:tnLst>
+  </p:timing>
 </p:sld>
 </file>
 
